--- a/22-06-2017/cloudformation/presentación/cloudformation.pptx
+++ b/22-06-2017/cloudformation/presentación/cloudformation.pptx
@@ -17959,56 +17959,9 @@
           </a:p>
         </p:txBody>
       </p:sp>
-      <p:sp>
-        <p:nvSpPr>
-          <p:cNvPr id="309" name="Shape 309"/>
-          <p:cNvSpPr txBox="1"/>
-          <p:nvPr/>
-        </p:nvSpPr>
-        <p:spPr>
-          <a:xfrm>
-            <a:off x="2916575" y="743408"/>
-            <a:ext cx="1795800" cy="307800"/>
-          </a:xfrm>
-          <a:prstGeom prst="rect">
-            <a:avLst/>
-          </a:prstGeom>
-          <a:noFill/>
-          <a:ln>
-            <a:noFill/>
-          </a:ln>
-        </p:spPr>
-        <p:txBody>
-          <a:bodyPr anchorCtr="0" anchor="t" bIns="45700" lIns="91425" rIns="91425" tIns="45700">
-            <a:noAutofit/>
-          </a:bodyPr>
-          <a:lstStyle/>
-          <a:p>
-            <a:pPr indent="0" lvl="0" marL="0" marR="0" rtl="0" algn="ctr">
-              <a:spcBef>
-                <a:spcPts val="0"/>
-              </a:spcBef>
-              <a:buSzPct val="25000"/>
-              <a:buNone/>
-            </a:pPr>
-            <a:r>
-              <a:rPr lang="en-US" sz="1400">
-                <a:solidFill>
-                  <a:schemeClr val="dk1"/>
-                </a:solidFill>
-                <a:latin typeface="Helvetica Neue"/>
-                <a:ea typeface="Helvetica Neue"/>
-                <a:cs typeface="Helvetica Neue"/>
-                <a:sym typeface="Helvetica Neue"/>
-              </a:rPr>
-              <a:t>www.example.com</a:t>
-            </a:r>
-          </a:p>
-        </p:txBody>
-      </p:sp>
       <p:pic>
         <p:nvPicPr>
-          <p:cNvPr id="310" name="Shape 310"/>
+          <p:cNvPr descr="meetup.png" id="309" name="Shape 309"/>
           <p:cNvPicPr preferRelativeResize="0"/>
           <p:nvPr/>
         </p:nvPicPr>
@@ -18021,8 +17974,8 @@
         </p:blipFill>
         <p:spPr>
           <a:xfrm>
-            <a:off x="3534382" y="2226807"/>
-            <a:ext cx="551100" cy="571500"/>
+            <a:off x="7084278" y="4648910"/>
+            <a:ext cx="931800" cy="489300"/>
           </a:xfrm>
           <a:prstGeom prst="rect">
             <a:avLst/>
@@ -18033,236 +17986,24 @@
           </a:ln>
         </p:spPr>
       </p:pic>
-      <p:grpSp>
-        <p:nvGrpSpPr>
-          <p:cNvPr id="311" name="Shape 311"/>
-          <p:cNvGrpSpPr/>
+      <p:pic>
+        <p:nvPicPr>
+          <p:cNvPr descr="diagramdemo.png" id="310" name="Shape 310"/>
+          <p:cNvPicPr preferRelativeResize="0"/>
           <p:nvPr/>
-        </p:nvGrpSpPr>
-        <p:grpSpPr>
-          <a:xfrm>
-            <a:off x="3317495" y="2069928"/>
-            <a:ext cx="977950" cy="1033936"/>
-            <a:chOff x="6743699" y="760412"/>
-            <a:chExt cx="1752600" cy="1777744"/>
-          </a:xfrm>
-        </p:grpSpPr>
-        <p:grpSp>
-          <p:nvGrpSpPr>
-            <p:cNvPr id="312" name="Shape 312"/>
-            <p:cNvGrpSpPr/>
-            <p:nvPr/>
-          </p:nvGrpSpPr>
-          <p:grpSpPr>
-            <a:xfrm>
-              <a:off x="6743699" y="760412"/>
-              <a:ext cx="1752600" cy="1733549"/>
-              <a:chOff x="545458" y="4783771"/>
-              <a:chExt cx="2293787" cy="1733797"/>
-            </a:xfrm>
-          </p:grpSpPr>
-          <p:sp>
-            <p:nvSpPr>
-              <p:cNvPr id="313" name="Shape 313"/>
-              <p:cNvSpPr/>
-              <p:nvPr/>
-            </p:nvSpPr>
-            <p:spPr>
-              <a:xfrm>
-                <a:off x="545458" y="4783771"/>
-                <a:ext cx="2293787" cy="1733797"/>
-              </a:xfrm>
-              <a:prstGeom prst="roundRect">
-                <a:avLst>
-                  <a:gd fmla="val 9818" name="adj"/>
-                </a:avLst>
-              </a:prstGeom>
-              <a:noFill/>
-              <a:ln cap="flat" cmpd="sng" w="19050">
-                <a:solidFill>
-                  <a:schemeClr val="dk1"/>
-                </a:solidFill>
-                <a:prstDash val="solid"/>
-                <a:round/>
-                <a:headEnd len="med" w="med" type="none"/>
-                <a:tailEnd len="med" w="med" type="none"/>
-              </a:ln>
-            </p:spPr>
-            <p:txBody>
-              <a:bodyPr anchorCtr="0" anchor="ctr" bIns="45700" lIns="91425" rIns="91425" tIns="45700">
-                <a:noAutofit/>
-              </a:bodyPr>
-              <a:lstStyle/>
-              <a:p>
-                <a:pPr indent="0" lvl="0" marL="0" marR="0" rtl="0" algn="ctr">
-                  <a:spcBef>
-                    <a:spcPts val="0"/>
-                  </a:spcBef>
-                  <a:spcAft>
-                    <a:spcPts val="0"/>
-                  </a:spcAft>
-                  <a:buNone/>
-                </a:pPr>
-                <a:r>
-                  <a:t/>
-                </a:r>
-                <a:endParaRPr sz="1400">
-                  <a:solidFill>
-                    <a:schemeClr val="dk1"/>
-                  </a:solidFill>
-                  <a:latin typeface="Arial"/>
-                  <a:ea typeface="Arial"/>
-                  <a:cs typeface="Arial"/>
-                  <a:sym typeface="Arial"/>
-                </a:endParaRPr>
-              </a:p>
-            </p:txBody>
-          </p:sp>
-          <p:sp>
-            <p:nvSpPr>
-              <p:cNvPr id="314" name="Shape 314"/>
-              <p:cNvSpPr/>
-              <p:nvPr/>
-            </p:nvSpPr>
-            <p:spPr>
-              <a:xfrm>
-                <a:off x="545458" y="4783771"/>
-                <a:ext cx="2293787" cy="1733797"/>
-              </a:xfrm>
-              <a:prstGeom prst="roundRect">
-                <a:avLst>
-                  <a:gd fmla="val 9818" name="adj"/>
-                </a:avLst>
-              </a:prstGeom>
-              <a:noFill/>
-              <a:ln cap="flat" cmpd="sng" w="19050">
-                <a:solidFill>
-                  <a:srgbClr val="FF0000"/>
-                </a:solidFill>
-                <a:prstDash val="lgDash"/>
-                <a:round/>
-                <a:headEnd len="med" w="med" type="none"/>
-                <a:tailEnd len="med" w="med" type="none"/>
-              </a:ln>
-            </p:spPr>
-            <p:txBody>
-              <a:bodyPr anchorCtr="0" anchor="ctr" bIns="45700" lIns="91425" rIns="91425" tIns="45700">
-                <a:noAutofit/>
-              </a:bodyPr>
-              <a:lstStyle/>
-              <a:p>
-                <a:pPr indent="0" lvl="0" marL="0" marR="0" rtl="0" algn="ctr">
-                  <a:spcBef>
-                    <a:spcPts val="0"/>
-                  </a:spcBef>
-                  <a:spcAft>
-                    <a:spcPts val="0"/>
-                  </a:spcAft>
-                  <a:buNone/>
-                </a:pPr>
-                <a:r>
-                  <a:t/>
-                </a:r>
-                <a:endParaRPr sz="1400">
-                  <a:solidFill>
-                    <a:schemeClr val="dk1"/>
-                  </a:solidFill>
-                  <a:latin typeface="Arial"/>
-                  <a:ea typeface="Arial"/>
-                  <a:cs typeface="Arial"/>
-                  <a:sym typeface="Arial"/>
-                </a:endParaRPr>
-              </a:p>
-            </p:txBody>
-          </p:sp>
-        </p:grpSp>
-        <p:sp>
-          <p:nvSpPr>
-            <p:cNvPr id="315" name="Shape 315"/>
-            <p:cNvSpPr txBox="1"/>
-            <p:nvPr/>
-          </p:nvSpPr>
-          <p:spPr>
-            <a:xfrm>
-              <a:off x="6851650" y="2194177"/>
-              <a:ext cx="1555748" cy="343980"/>
-            </a:xfrm>
-            <a:prstGeom prst="rect">
-              <a:avLst/>
-            </a:prstGeom>
-            <a:noFill/>
-            <a:ln>
-              <a:noFill/>
-            </a:ln>
-          </p:spPr>
-          <p:txBody>
-            <a:bodyPr anchorCtr="0" anchor="ctr" bIns="45700" lIns="91425" rIns="91425" tIns="45700">
-              <a:noAutofit/>
-            </a:bodyPr>
-            <a:lstStyle/>
-            <a:p>
-              <a:pPr indent="0" lvl="0" marL="0" marR="0" rtl="0" algn="ctr">
-                <a:spcBef>
-                  <a:spcPts val="0"/>
-                </a:spcBef>
-                <a:buSzPct val="25000"/>
-                <a:buNone/>
-              </a:pPr>
-              <a:r>
-                <a:rPr b="1" lang="en-US" sz="700">
-                  <a:solidFill>
-                    <a:srgbClr val="414042"/>
-                  </a:solidFill>
-                  <a:latin typeface="Arial"/>
-                  <a:ea typeface="Arial"/>
-                  <a:cs typeface="Arial"/>
-                  <a:sym typeface="Arial"/>
-                </a:rPr>
-                <a:t>Server  Nginx</a:t>
-              </a:r>
-            </a:p>
-          </p:txBody>
-        </p:sp>
-      </p:grpSp>
-      <p:cxnSp>
-        <p:nvCxnSpPr>
-          <p:cNvPr id="316" name="Shape 316"/>
-          <p:cNvCxnSpPr>
-            <a:stCxn id="313" idx="0"/>
-            <a:endCxn id="309" idx="2"/>
-          </p:cNvCxnSpPr>
-          <p:nvPr/>
-        </p:nvCxnSpPr>
-        <p:spPr>
-          <a:xfrm flipH="1" rot="10800000">
-            <a:off x="3806471" y="1051128"/>
-            <a:ext cx="8100" cy="1018800"/>
-          </a:xfrm>
-          <a:prstGeom prst="straightConnector1">
-            <a:avLst/>
-          </a:prstGeom>
-          <a:noFill/>
-          <a:ln cap="flat" cmpd="sng" w="25400">
-            <a:solidFill>
-              <a:srgbClr val="414042"/>
-            </a:solidFill>
-            <a:prstDash val="solid"/>
-            <a:round/>
-            <a:headEnd len="med" w="med" type="none"/>
-            <a:tailEnd len="med" w="med" type="none"/>
-          </a:ln>
-        </p:spPr>
-      </p:cxnSp>
-      <p:sp>
-        <p:nvSpPr>
-          <p:cNvPr id="317" name="Shape 317"/>
-          <p:cNvSpPr txBox="1"/>
-          <p:nvPr/>
-        </p:nvSpPr>
-        <p:spPr>
-          <a:xfrm>
-            <a:off x="3402103" y="2792756"/>
-            <a:ext cx="838800" cy="215400"/>
+        </p:nvPicPr>
+        <p:blipFill>
+          <a:blip r:embed="rId4">
+            <a:alphaModFix/>
+          </a:blip>
+          <a:stretch>
+            <a:fillRect/>
+          </a:stretch>
+        </p:blipFill>
+        <p:spPr>
+          <a:xfrm>
+            <a:off x="575725" y="640265"/>
+            <a:ext cx="6543380" cy="4198435"/>
           </a:xfrm>
           <a:prstGeom prst="rect">
             <a:avLst/>
@@ -18272,243 +18013,7 @@
             <a:noFill/>
           </a:ln>
         </p:spPr>
-        <p:txBody>
-          <a:bodyPr anchorCtr="0" anchor="t" bIns="45700" lIns="91425" rIns="91425" tIns="45700">
-            <a:noAutofit/>
-          </a:bodyPr>
-          <a:lstStyle/>
-          <a:p>
-            <a:pPr indent="0" lvl="0" marL="0" marR="0" rtl="0" algn="ctr">
-              <a:spcBef>
-                <a:spcPts val="0"/>
-              </a:spcBef>
-              <a:buSzPct val="25000"/>
-              <a:buNone/>
-            </a:pPr>
-            <a:r>
-              <a:rPr b="1" lang="en-US" sz="800">
-                <a:solidFill>
-                  <a:schemeClr val="dk1"/>
-                </a:solidFill>
-                <a:latin typeface="Helvetica Neue"/>
-                <a:ea typeface="Helvetica Neue"/>
-                <a:cs typeface="Helvetica Neue"/>
-                <a:sym typeface="Helvetica Neue"/>
-              </a:rPr>
-              <a:t>EC2 instance</a:t>
-            </a:r>
-          </a:p>
-        </p:txBody>
-      </p:sp>
-      <p:sp>
-        <p:nvSpPr>
-          <p:cNvPr id="318" name="Shape 318"/>
-          <p:cNvSpPr txBox="1"/>
-          <p:nvPr/>
-        </p:nvSpPr>
-        <p:spPr>
-          <a:xfrm>
-            <a:off x="3527585" y="2376271"/>
-            <a:ext cx="575700" cy="338700"/>
-          </a:xfrm>
-          <a:prstGeom prst="rect">
-            <a:avLst/>
-          </a:prstGeom>
-          <a:noFill/>
-          <a:ln>
-            <a:noFill/>
-          </a:ln>
-        </p:spPr>
-        <p:txBody>
-          <a:bodyPr anchorCtr="0" anchor="t" bIns="45700" lIns="91425" rIns="91425" tIns="45700">
-            <a:noAutofit/>
-          </a:bodyPr>
-          <a:lstStyle/>
-          <a:p>
-            <a:pPr indent="0" lvl="0" marL="0" marR="0" rtl="0" algn="ctr">
-              <a:spcBef>
-                <a:spcPts val="0"/>
-              </a:spcBef>
-              <a:buSzPct val="25000"/>
-              <a:buNone/>
-            </a:pPr>
-            <a:r>
-              <a:rPr lang="en-US" sz="800">
-                <a:solidFill>
-                  <a:schemeClr val="lt1"/>
-                </a:solidFill>
-                <a:latin typeface="Helvetica Neue"/>
-                <a:ea typeface="Helvetica Neue"/>
-                <a:cs typeface="Helvetica Neue"/>
-                <a:sym typeface="Helvetica Neue"/>
-              </a:rPr>
-              <a:t>web app</a:t>
-            </a:r>
-          </a:p>
-          <a:p>
-            <a:pPr indent="0" lvl="0" marL="0" marR="0" rtl="0" algn="ctr">
-              <a:spcBef>
-                <a:spcPts val="0"/>
-              </a:spcBef>
-              <a:buSzPct val="25000"/>
-              <a:buNone/>
-            </a:pPr>
-            <a:r>
-              <a:rPr lang="en-US" sz="800">
-                <a:solidFill>
-                  <a:schemeClr val="lt1"/>
-                </a:solidFill>
-                <a:latin typeface="Helvetica Neue"/>
-                <a:ea typeface="Helvetica Neue"/>
-                <a:cs typeface="Helvetica Neue"/>
-                <a:sym typeface="Helvetica Neue"/>
-              </a:rPr>
-              <a:t>server</a:t>
-            </a:r>
-          </a:p>
-        </p:txBody>
-      </p:sp>
-      <p:pic>
-        <p:nvPicPr>
-          <p:cNvPr descr="meetup.png" id="319" name="Shape 319"/>
-          <p:cNvPicPr preferRelativeResize="0"/>
-          <p:nvPr/>
-        </p:nvPicPr>
-        <p:blipFill rotWithShape="1">
-          <a:blip r:embed="rId4">
-            <a:alphaModFix/>
-          </a:blip>
-          <a:srcRect b="0" l="0" r="0" t="0"/>
-          <a:stretch/>
-        </p:blipFill>
-        <p:spPr>
-          <a:xfrm>
-            <a:off x="7084278" y="4648910"/>
-            <a:ext cx="931800" cy="489300"/>
-          </a:xfrm>
-          <a:prstGeom prst="rect">
-            <a:avLst/>
-          </a:prstGeom>
-          <a:noFill/>
-          <a:ln>
-            <a:noFill/>
-          </a:ln>
-        </p:spPr>
       </p:pic>
-      <p:pic>
-        <p:nvPicPr>
-          <p:cNvPr descr="ansible.png" id="320" name="Shape 320"/>
-          <p:cNvPicPr preferRelativeResize="0"/>
-          <p:nvPr/>
-        </p:nvPicPr>
-        <p:blipFill>
-          <a:blip r:embed="rId5">
-            <a:alphaModFix/>
-          </a:blip>
-          <a:stretch>
-            <a:fillRect/>
-          </a:stretch>
-        </p:blipFill>
-        <p:spPr>
-          <a:xfrm>
-            <a:off x="837600" y="2054838"/>
-            <a:ext cx="1307608" cy="1033825"/>
-          </a:xfrm>
-          <a:prstGeom prst="rect">
-            <a:avLst/>
-          </a:prstGeom>
-          <a:noFill/>
-          <a:ln>
-            <a:noFill/>
-          </a:ln>
-        </p:spPr>
-      </p:pic>
-      <p:pic>
-        <p:nvPicPr>
-          <p:cNvPr descr="nginx.png" id="321" name="Shape 321"/>
-          <p:cNvPicPr preferRelativeResize="0"/>
-          <p:nvPr/>
-        </p:nvPicPr>
-        <p:blipFill>
-          <a:blip r:embed="rId6">
-            <a:alphaModFix/>
-          </a:blip>
-          <a:stretch>
-            <a:fillRect/>
-          </a:stretch>
-        </p:blipFill>
-        <p:spPr>
-          <a:xfrm>
-            <a:off x="5497799" y="2150599"/>
-            <a:ext cx="838801" cy="838801"/>
-          </a:xfrm>
-          <a:prstGeom prst="rect">
-            <a:avLst/>
-          </a:prstGeom>
-          <a:noFill/>
-          <a:ln>
-            <a:noFill/>
-          </a:ln>
-        </p:spPr>
-      </p:pic>
-      <p:cxnSp>
-        <p:nvCxnSpPr>
-          <p:cNvPr id="322" name="Shape 322"/>
-          <p:cNvCxnSpPr>
-            <a:stCxn id="314" idx="3"/>
-            <a:endCxn id="321" idx="1"/>
-          </p:cNvCxnSpPr>
-          <p:nvPr/>
-        </p:nvCxnSpPr>
-        <p:spPr>
-          <a:xfrm flipH="1" rot="10800000">
-            <a:off x="4295446" y="2570144"/>
-            <a:ext cx="1202400" cy="3900"/>
-          </a:xfrm>
-          <a:prstGeom prst="straightConnector1">
-            <a:avLst/>
-          </a:prstGeom>
-          <a:noFill/>
-          <a:ln cap="flat" cmpd="sng" w="25400">
-            <a:solidFill>
-              <a:srgbClr val="414042"/>
-            </a:solidFill>
-            <a:prstDash val="solid"/>
-            <a:round/>
-            <a:headEnd len="med" w="med" type="none"/>
-            <a:tailEnd len="med" w="med" type="none"/>
-          </a:ln>
-        </p:spPr>
-      </p:cxnSp>
-      <p:cxnSp>
-        <p:nvCxnSpPr>
-          <p:cNvPr id="323" name="Shape 323"/>
-          <p:cNvCxnSpPr>
-            <a:stCxn id="320" idx="3"/>
-            <a:endCxn id="314" idx="1"/>
-          </p:cNvCxnSpPr>
-          <p:nvPr/>
-        </p:nvCxnSpPr>
-        <p:spPr>
-          <a:xfrm>
-            <a:off x="2145208" y="2571751"/>
-            <a:ext cx="1172399" cy="2400"/>
-          </a:xfrm>
-          <a:prstGeom prst="straightConnector1">
-            <a:avLst/>
-          </a:prstGeom>
-          <a:noFill/>
-          <a:ln cap="flat" cmpd="sng" w="25400">
-            <a:solidFill>
-              <a:srgbClr val="414042"/>
-            </a:solidFill>
-            <a:prstDash val="solid"/>
-            <a:round/>
-            <a:headEnd len="med" w="med" type="none"/>
-            <a:tailEnd len="med" w="med" type="none"/>
-          </a:ln>
-        </p:spPr>
-      </p:cxnSp>
     </p:spTree>
   </p:cSld>
   <p:clrMapOvr>
@@ -21343,6 +20848,285 @@
 </file>
 
 <file path=ppt/theme/theme1.xml><?xml version="1.0" encoding="utf-8"?>
+<a:theme xmlns:a="http://schemas.openxmlformats.org/drawingml/2006/main" xmlns:r="http://schemas.openxmlformats.org/officeDocument/2006/relationships" name="DeckTemplate-AWS">
+  <a:themeElements>
+    <a:clrScheme name="Custom 1">
+      <a:dk1>
+        <a:srgbClr val="474746"/>
+      </a:dk1>
+      <a:lt1>
+        <a:srgbClr val="FFFFFF"/>
+      </a:lt1>
+      <a:dk2>
+        <a:srgbClr val="6D6E6D"/>
+      </a:dk2>
+      <a:lt2>
+        <a:srgbClr val="F8F8F8"/>
+      </a:lt2>
+      <a:accent1>
+        <a:srgbClr val="FCB64C"/>
+      </a:accent1>
+      <a:accent2>
+        <a:srgbClr val="F7A028"/>
+      </a:accent2>
+      <a:accent3>
+        <a:srgbClr val="0C67AE"/>
+      </a:accent3>
+      <a:accent4>
+        <a:srgbClr val="7BC233"/>
+      </a:accent4>
+      <a:accent5>
+        <a:srgbClr val="FDD645"/>
+      </a:accent5>
+      <a:accent6>
+        <a:srgbClr val="999A98"/>
+      </a:accent6>
+      <a:hlink>
+        <a:srgbClr val="686CEA"/>
+      </a:hlink>
+      <a:folHlink>
+        <a:srgbClr val="9F52CB"/>
+      </a:folHlink>
+    </a:clrScheme>
+    <a:fontScheme name="Office">
+      <a:majorFont>
+        <a:latin typeface="Arial"/>
+        <a:ea typeface=""/>
+        <a:cs typeface=""/>
+        <a:font script="Jpan" typeface="ＭＳ Ｐゴシック"/>
+        <a:font script="Hang" typeface="맑은 고딕"/>
+        <a:font script="Hans" typeface="宋体"/>
+        <a:font script="Hant" typeface="新細明體"/>
+        <a:font script="Arab" typeface="Times New Roman"/>
+        <a:font script="Hebr" typeface="Times New Roman"/>
+        <a:font script="Thai" typeface="Angsana New"/>
+        <a:font script="Ethi" typeface="Nyala"/>
+        <a:font script="Beng" typeface="Vrinda"/>
+        <a:font script="Gujr" typeface="Shruti"/>
+        <a:font script="Khmr" typeface="MoolBoran"/>
+        <a:font script="Knda" typeface="Tunga"/>
+        <a:font script="Guru" typeface="Raavi"/>
+        <a:font script="Cans" typeface="Euphemia"/>
+        <a:font script="Cher" typeface="Plantagenet Cherokee"/>
+        <a:font script="Yiii" typeface="Microsoft Yi Baiti"/>
+        <a:font script="Tibt" typeface="Microsoft Himalaya"/>
+        <a:font script="Thaa" typeface="MV Boli"/>
+        <a:font script="Deva" typeface="Mangal"/>
+        <a:font script="Telu" typeface="Gautami"/>
+        <a:font script="Taml" typeface="Latha"/>
+        <a:font script="Syrc" typeface="Estrangelo Edessa"/>
+        <a:font script="Orya" typeface="Kalinga"/>
+        <a:font script="Mlym" typeface="Kartika"/>
+        <a:font script="Laoo" typeface="DokChampa"/>
+        <a:font script="Sinh" typeface="Iskoola Pota"/>
+        <a:font script="Mong" typeface="Mongolian Baiti"/>
+        <a:font script="Viet" typeface="Times New Roman"/>
+        <a:font script="Uigh" typeface="Microsoft Uighur"/>
+        <a:font script="Geor" typeface="Sylfaen"/>
+      </a:majorFont>
+      <a:minorFont>
+        <a:latin typeface="Arial"/>
+        <a:ea typeface=""/>
+        <a:cs typeface=""/>
+        <a:font script="Jpan" typeface="ＭＳ Ｐゴシック"/>
+        <a:font script="Hang" typeface="맑은 고딕"/>
+        <a:font script="Hans" typeface="宋体"/>
+        <a:font script="Hant" typeface="新細明體"/>
+        <a:font script="Arab" typeface="Arial"/>
+        <a:font script="Hebr" typeface="Arial"/>
+        <a:font script="Thai" typeface="Cordia New"/>
+        <a:font script="Ethi" typeface="Nyala"/>
+        <a:font script="Beng" typeface="Vrinda"/>
+        <a:font script="Gujr" typeface="Shruti"/>
+        <a:font script="Khmr" typeface="DaunPenh"/>
+        <a:font script="Knda" typeface="Tunga"/>
+        <a:font script="Guru" typeface="Raavi"/>
+        <a:font script="Cans" typeface="Euphemia"/>
+        <a:font script="Cher" typeface="Plantagenet Cherokee"/>
+        <a:font script="Yiii" typeface="Microsoft Yi Baiti"/>
+        <a:font script="Tibt" typeface="Microsoft Himalaya"/>
+        <a:font script="Thaa" typeface="MV Boli"/>
+        <a:font script="Deva" typeface="Mangal"/>
+        <a:font script="Telu" typeface="Gautami"/>
+        <a:font script="Taml" typeface="Latha"/>
+        <a:font script="Syrc" typeface="Estrangelo Edessa"/>
+        <a:font script="Orya" typeface="Kalinga"/>
+        <a:font script="Mlym" typeface="Kartika"/>
+        <a:font script="Laoo" typeface="DokChampa"/>
+        <a:font script="Sinh" typeface="Iskoola Pota"/>
+        <a:font script="Mong" typeface="Mongolian Baiti"/>
+        <a:font script="Viet" typeface="Arial"/>
+        <a:font script="Uigh" typeface="Microsoft Uighur"/>
+        <a:font script="Geor" typeface="Sylfaen"/>
+      </a:minorFont>
+    </a:fontScheme>
+    <a:fmtScheme name="Office">
+      <a:fillStyleLst>
+        <a:solidFill>
+          <a:schemeClr val="phClr"/>
+        </a:solidFill>
+        <a:gradFill rotWithShape="1">
+          <a:gsLst>
+            <a:gs pos="0">
+              <a:schemeClr val="phClr">
+                <a:tint val="50000"/>
+                <a:satMod val="300000"/>
+              </a:schemeClr>
+            </a:gs>
+            <a:gs pos="35000">
+              <a:schemeClr val="phClr">
+                <a:tint val="37000"/>
+                <a:satMod val="300000"/>
+              </a:schemeClr>
+            </a:gs>
+            <a:gs pos="100000">
+              <a:schemeClr val="phClr">
+                <a:tint val="15000"/>
+                <a:satMod val="350000"/>
+              </a:schemeClr>
+            </a:gs>
+          </a:gsLst>
+          <a:lin ang="16200000" scaled="1"/>
+        </a:gradFill>
+        <a:gradFill rotWithShape="1">
+          <a:gsLst>
+            <a:gs pos="0">
+              <a:schemeClr val="phClr">
+                <a:tint val="100000"/>
+                <a:shade val="100000"/>
+                <a:satMod val="130000"/>
+              </a:schemeClr>
+            </a:gs>
+            <a:gs pos="100000">
+              <a:schemeClr val="phClr">
+                <a:tint val="50000"/>
+                <a:shade val="100000"/>
+                <a:satMod val="350000"/>
+              </a:schemeClr>
+            </a:gs>
+          </a:gsLst>
+          <a:lin ang="16200000" scaled="0"/>
+        </a:gradFill>
+      </a:fillStyleLst>
+      <a:lnStyleLst>
+        <a:ln w="9525" cap="flat" cmpd="sng" algn="ctr">
+          <a:solidFill>
+            <a:schemeClr val="phClr">
+              <a:shade val="95000"/>
+              <a:satMod val="105000"/>
+            </a:schemeClr>
+          </a:solidFill>
+          <a:prstDash val="solid"/>
+        </a:ln>
+        <a:ln w="25400" cap="flat" cmpd="sng" algn="ctr">
+          <a:solidFill>
+            <a:schemeClr val="phClr"/>
+          </a:solidFill>
+          <a:prstDash val="solid"/>
+        </a:ln>
+        <a:ln w="38100" cap="flat" cmpd="sng" algn="ctr">
+          <a:solidFill>
+            <a:schemeClr val="phClr"/>
+          </a:solidFill>
+          <a:prstDash val="solid"/>
+        </a:ln>
+      </a:lnStyleLst>
+      <a:effectStyleLst>
+        <a:effectStyle>
+          <a:effectLst>
+            <a:outerShdw blurRad="40000" dist="20000" dir="5400000" rotWithShape="0">
+              <a:srgbClr val="000000">
+                <a:alpha val="38000"/>
+              </a:srgbClr>
+            </a:outerShdw>
+          </a:effectLst>
+        </a:effectStyle>
+        <a:effectStyle>
+          <a:effectLst>
+            <a:outerShdw blurRad="40000" dist="23000" dir="5400000" rotWithShape="0">
+              <a:srgbClr val="000000">
+                <a:alpha val="35000"/>
+              </a:srgbClr>
+            </a:outerShdw>
+          </a:effectLst>
+        </a:effectStyle>
+        <a:effectStyle>
+          <a:effectLst>
+            <a:outerShdw blurRad="40000" dist="23000" dir="5400000" rotWithShape="0">
+              <a:srgbClr val="000000">
+                <a:alpha val="35000"/>
+              </a:srgbClr>
+            </a:outerShdw>
+          </a:effectLst>
+          <a:scene3d>
+            <a:camera prst="orthographicFront">
+              <a:rot lat="0" lon="0" rev="0"/>
+            </a:camera>
+            <a:lightRig rig="threePt" dir="t">
+              <a:rot lat="0" lon="0" rev="1200000"/>
+            </a:lightRig>
+          </a:scene3d>
+          <a:sp3d>
+            <a:bevelT w="63500" h="25400"/>
+          </a:sp3d>
+        </a:effectStyle>
+      </a:effectStyleLst>
+      <a:bgFillStyleLst>
+        <a:solidFill>
+          <a:schemeClr val="phClr"/>
+        </a:solidFill>
+        <a:gradFill rotWithShape="1">
+          <a:gsLst>
+            <a:gs pos="0">
+              <a:schemeClr val="phClr">
+                <a:tint val="40000"/>
+                <a:satMod val="350000"/>
+              </a:schemeClr>
+            </a:gs>
+            <a:gs pos="40000">
+              <a:schemeClr val="phClr">
+                <a:tint val="45000"/>
+                <a:shade val="99000"/>
+                <a:satMod val="350000"/>
+              </a:schemeClr>
+            </a:gs>
+            <a:gs pos="100000">
+              <a:schemeClr val="phClr">
+                <a:shade val="20000"/>
+                <a:satMod val="255000"/>
+              </a:schemeClr>
+            </a:gs>
+          </a:gsLst>
+          <a:path path="circle">
+            <a:fillToRect l="50000" t="-80000" r="50000" b="180000"/>
+          </a:path>
+        </a:gradFill>
+        <a:gradFill rotWithShape="1">
+          <a:gsLst>
+            <a:gs pos="0">
+              <a:schemeClr val="phClr">
+                <a:tint val="80000"/>
+                <a:satMod val="300000"/>
+              </a:schemeClr>
+            </a:gs>
+            <a:gs pos="100000">
+              <a:schemeClr val="phClr">
+                <a:shade val="30000"/>
+                <a:satMod val="200000"/>
+              </a:schemeClr>
+            </a:gs>
+          </a:gsLst>
+          <a:path path="circle">
+            <a:fillToRect l="50000" t="50000" r="50000" b="50000"/>
+          </a:path>
+        </a:gradFill>
+      </a:bgFillStyleLst>
+    </a:fmtScheme>
+  </a:themeElements>
+</a:theme>
+</file>
+
+<file path=ppt/theme/theme2.xml><?xml version="1.0" encoding="utf-8"?>
 <a:theme xmlns:a="http://schemas.openxmlformats.org/drawingml/2006/main" xmlns:r="http://schemas.openxmlformats.org/officeDocument/2006/relationships" name="Custom Theme">
   <a:themeElements>
     <a:clrScheme name="Default">
@@ -21619,283 +21403,4 @@
     </a:fmtScheme>
   </a:themeElements>
 </a:theme>
-</file>
-
-<file path=ppt/theme/theme2.xml><?xml version="1.0" encoding="utf-8"?>
-<a:theme xmlns:a="http://schemas.openxmlformats.org/drawingml/2006/main" xmlns:r="http://schemas.openxmlformats.org/officeDocument/2006/relationships" name="DeckTemplate-AWS">
-  <a:themeElements>
-    <a:clrScheme name="Custom 1">
-      <a:dk1>
-        <a:srgbClr val="474746"/>
-      </a:dk1>
-      <a:lt1>
-        <a:srgbClr val="FFFFFF"/>
-      </a:lt1>
-      <a:dk2>
-        <a:srgbClr val="6D6E6D"/>
-      </a:dk2>
-      <a:lt2>
-        <a:srgbClr val="F8F8F8"/>
-      </a:lt2>
-      <a:accent1>
-        <a:srgbClr val="FCB64C"/>
-      </a:accent1>
-      <a:accent2>
-        <a:srgbClr val="F7A028"/>
-      </a:accent2>
-      <a:accent3>
-        <a:srgbClr val="0C67AE"/>
-      </a:accent3>
-      <a:accent4>
-        <a:srgbClr val="7BC233"/>
-      </a:accent4>
-      <a:accent5>
-        <a:srgbClr val="FDD645"/>
-      </a:accent5>
-      <a:accent6>
-        <a:srgbClr val="999A98"/>
-      </a:accent6>
-      <a:hlink>
-        <a:srgbClr val="686CEA"/>
-      </a:hlink>
-      <a:folHlink>
-        <a:srgbClr val="9F52CB"/>
-      </a:folHlink>
-    </a:clrScheme>
-    <a:fontScheme name="Office">
-      <a:majorFont>
-        <a:latin typeface="Arial"/>
-        <a:ea typeface=""/>
-        <a:cs typeface=""/>
-        <a:font script="Jpan" typeface="ＭＳ Ｐゴシック"/>
-        <a:font script="Hang" typeface="맑은 고딕"/>
-        <a:font script="Hans" typeface="宋体"/>
-        <a:font script="Hant" typeface="新細明體"/>
-        <a:font script="Arab" typeface="Times New Roman"/>
-        <a:font script="Hebr" typeface="Times New Roman"/>
-        <a:font script="Thai" typeface="Angsana New"/>
-        <a:font script="Ethi" typeface="Nyala"/>
-        <a:font script="Beng" typeface="Vrinda"/>
-        <a:font script="Gujr" typeface="Shruti"/>
-        <a:font script="Khmr" typeface="MoolBoran"/>
-        <a:font script="Knda" typeface="Tunga"/>
-        <a:font script="Guru" typeface="Raavi"/>
-        <a:font script="Cans" typeface="Euphemia"/>
-        <a:font script="Cher" typeface="Plantagenet Cherokee"/>
-        <a:font script="Yiii" typeface="Microsoft Yi Baiti"/>
-        <a:font script="Tibt" typeface="Microsoft Himalaya"/>
-        <a:font script="Thaa" typeface="MV Boli"/>
-        <a:font script="Deva" typeface="Mangal"/>
-        <a:font script="Telu" typeface="Gautami"/>
-        <a:font script="Taml" typeface="Latha"/>
-        <a:font script="Syrc" typeface="Estrangelo Edessa"/>
-        <a:font script="Orya" typeface="Kalinga"/>
-        <a:font script="Mlym" typeface="Kartika"/>
-        <a:font script="Laoo" typeface="DokChampa"/>
-        <a:font script="Sinh" typeface="Iskoola Pota"/>
-        <a:font script="Mong" typeface="Mongolian Baiti"/>
-        <a:font script="Viet" typeface="Times New Roman"/>
-        <a:font script="Uigh" typeface="Microsoft Uighur"/>
-        <a:font script="Geor" typeface="Sylfaen"/>
-      </a:majorFont>
-      <a:minorFont>
-        <a:latin typeface="Arial"/>
-        <a:ea typeface=""/>
-        <a:cs typeface=""/>
-        <a:font script="Jpan" typeface="ＭＳ Ｐゴシック"/>
-        <a:font script="Hang" typeface="맑은 고딕"/>
-        <a:font script="Hans" typeface="宋体"/>
-        <a:font script="Hant" typeface="新細明體"/>
-        <a:font script="Arab" typeface="Arial"/>
-        <a:font script="Hebr" typeface="Arial"/>
-        <a:font script="Thai" typeface="Cordia New"/>
-        <a:font script="Ethi" typeface="Nyala"/>
-        <a:font script="Beng" typeface="Vrinda"/>
-        <a:font script="Gujr" typeface="Shruti"/>
-        <a:font script="Khmr" typeface="DaunPenh"/>
-        <a:font script="Knda" typeface="Tunga"/>
-        <a:font script="Guru" typeface="Raavi"/>
-        <a:font script="Cans" typeface="Euphemia"/>
-        <a:font script="Cher" typeface="Plantagenet Cherokee"/>
-        <a:font script="Yiii" typeface="Microsoft Yi Baiti"/>
-        <a:font script="Tibt" typeface="Microsoft Himalaya"/>
-        <a:font script="Thaa" typeface="MV Boli"/>
-        <a:font script="Deva" typeface="Mangal"/>
-        <a:font script="Telu" typeface="Gautami"/>
-        <a:font script="Taml" typeface="Latha"/>
-        <a:font script="Syrc" typeface="Estrangelo Edessa"/>
-        <a:font script="Orya" typeface="Kalinga"/>
-        <a:font script="Mlym" typeface="Kartika"/>
-        <a:font script="Laoo" typeface="DokChampa"/>
-        <a:font script="Sinh" typeface="Iskoola Pota"/>
-        <a:font script="Mong" typeface="Mongolian Baiti"/>
-        <a:font script="Viet" typeface="Arial"/>
-        <a:font script="Uigh" typeface="Microsoft Uighur"/>
-        <a:font script="Geor" typeface="Sylfaen"/>
-      </a:minorFont>
-    </a:fontScheme>
-    <a:fmtScheme name="Office">
-      <a:fillStyleLst>
-        <a:solidFill>
-          <a:schemeClr val="phClr"/>
-        </a:solidFill>
-        <a:gradFill rotWithShape="1">
-          <a:gsLst>
-            <a:gs pos="0">
-              <a:schemeClr val="phClr">
-                <a:tint val="50000"/>
-                <a:satMod val="300000"/>
-              </a:schemeClr>
-            </a:gs>
-            <a:gs pos="35000">
-              <a:schemeClr val="phClr">
-                <a:tint val="37000"/>
-                <a:satMod val="300000"/>
-              </a:schemeClr>
-            </a:gs>
-            <a:gs pos="100000">
-              <a:schemeClr val="phClr">
-                <a:tint val="15000"/>
-                <a:satMod val="350000"/>
-              </a:schemeClr>
-            </a:gs>
-          </a:gsLst>
-          <a:lin ang="16200000" scaled="1"/>
-        </a:gradFill>
-        <a:gradFill rotWithShape="1">
-          <a:gsLst>
-            <a:gs pos="0">
-              <a:schemeClr val="phClr">
-                <a:tint val="100000"/>
-                <a:shade val="100000"/>
-                <a:satMod val="130000"/>
-              </a:schemeClr>
-            </a:gs>
-            <a:gs pos="100000">
-              <a:schemeClr val="phClr">
-                <a:tint val="50000"/>
-                <a:shade val="100000"/>
-                <a:satMod val="350000"/>
-              </a:schemeClr>
-            </a:gs>
-          </a:gsLst>
-          <a:lin ang="16200000" scaled="0"/>
-        </a:gradFill>
-      </a:fillStyleLst>
-      <a:lnStyleLst>
-        <a:ln w="9525" cap="flat" cmpd="sng" algn="ctr">
-          <a:solidFill>
-            <a:schemeClr val="phClr">
-              <a:shade val="95000"/>
-              <a:satMod val="105000"/>
-            </a:schemeClr>
-          </a:solidFill>
-          <a:prstDash val="solid"/>
-        </a:ln>
-        <a:ln w="25400" cap="flat" cmpd="sng" algn="ctr">
-          <a:solidFill>
-            <a:schemeClr val="phClr"/>
-          </a:solidFill>
-          <a:prstDash val="solid"/>
-        </a:ln>
-        <a:ln w="38100" cap="flat" cmpd="sng" algn="ctr">
-          <a:solidFill>
-            <a:schemeClr val="phClr"/>
-          </a:solidFill>
-          <a:prstDash val="solid"/>
-        </a:ln>
-      </a:lnStyleLst>
-      <a:effectStyleLst>
-        <a:effectStyle>
-          <a:effectLst>
-            <a:outerShdw blurRad="40000" dist="20000" dir="5400000" rotWithShape="0">
-              <a:srgbClr val="000000">
-                <a:alpha val="38000"/>
-              </a:srgbClr>
-            </a:outerShdw>
-          </a:effectLst>
-        </a:effectStyle>
-        <a:effectStyle>
-          <a:effectLst>
-            <a:outerShdw blurRad="40000" dist="23000" dir="5400000" rotWithShape="0">
-              <a:srgbClr val="000000">
-                <a:alpha val="35000"/>
-              </a:srgbClr>
-            </a:outerShdw>
-          </a:effectLst>
-        </a:effectStyle>
-        <a:effectStyle>
-          <a:effectLst>
-            <a:outerShdw blurRad="40000" dist="23000" dir="5400000" rotWithShape="0">
-              <a:srgbClr val="000000">
-                <a:alpha val="35000"/>
-              </a:srgbClr>
-            </a:outerShdw>
-          </a:effectLst>
-          <a:scene3d>
-            <a:camera prst="orthographicFront">
-              <a:rot lat="0" lon="0" rev="0"/>
-            </a:camera>
-            <a:lightRig rig="threePt" dir="t">
-              <a:rot lat="0" lon="0" rev="1200000"/>
-            </a:lightRig>
-          </a:scene3d>
-          <a:sp3d>
-            <a:bevelT w="63500" h="25400"/>
-          </a:sp3d>
-        </a:effectStyle>
-      </a:effectStyleLst>
-      <a:bgFillStyleLst>
-        <a:solidFill>
-          <a:schemeClr val="phClr"/>
-        </a:solidFill>
-        <a:gradFill rotWithShape="1">
-          <a:gsLst>
-            <a:gs pos="0">
-              <a:schemeClr val="phClr">
-                <a:tint val="40000"/>
-                <a:satMod val="350000"/>
-              </a:schemeClr>
-            </a:gs>
-            <a:gs pos="40000">
-              <a:schemeClr val="phClr">
-                <a:tint val="45000"/>
-                <a:shade val="99000"/>
-                <a:satMod val="350000"/>
-              </a:schemeClr>
-            </a:gs>
-            <a:gs pos="100000">
-              <a:schemeClr val="phClr">
-                <a:shade val="20000"/>
-                <a:satMod val="255000"/>
-              </a:schemeClr>
-            </a:gs>
-          </a:gsLst>
-          <a:path path="circle">
-            <a:fillToRect l="50000" t="-80000" r="50000" b="180000"/>
-          </a:path>
-        </a:gradFill>
-        <a:gradFill rotWithShape="1">
-          <a:gsLst>
-            <a:gs pos="0">
-              <a:schemeClr val="phClr">
-                <a:tint val="80000"/>
-                <a:satMod val="300000"/>
-              </a:schemeClr>
-            </a:gs>
-            <a:gs pos="100000">
-              <a:schemeClr val="phClr">
-                <a:shade val="30000"/>
-                <a:satMod val="200000"/>
-              </a:schemeClr>
-            </a:gs>
-          </a:gsLst>
-          <a:path path="circle">
-            <a:fillToRect l="50000" t="50000" r="50000" b="50000"/>
-          </a:path>
-        </a:gradFill>
-      </a:bgFillStyleLst>
-    </a:fmtScheme>
-  </a:themeElements>
-</a:theme>
 </file>